--- a/20170318/RichardCook_SeaHUGAgenda_20170318.pptx
+++ b/20170318/RichardCook_SeaHUGAgenda_20170318.pptx
@@ -3071,15 +3071,7 @@
           <a:p>
             <a:r>
               <a:rPr lang="en-US" dirty="0" smtClean="0"/>
-              <a:t>Agenda for 18 </a:t>
-            </a:r>
-            <a:r>
-              <a:rPr lang="en-US" dirty="0" smtClean="0"/>
-              <a:t>March 2017 </a:t>
-            </a:r>
-            <a:r>
-              <a:rPr lang="en-US" dirty="0" smtClean="0"/>
-              <a:t>meeting</a:t>
+              <a:t>Agenda for 18 March 2017 meeting</a:t>
             </a:r>
             <a:endParaRPr lang="en-US" dirty="0"/>
           </a:p>
@@ -3193,7 +3185,6 @@
               <a:rPr lang="en-US" dirty="0" smtClean="0"/>
               <a:t>Come join us!</a:t>
             </a:r>
-            <a:endParaRPr lang="en-US" dirty="0" smtClean="0"/>
           </a:p>
         </p:txBody>
       </p:sp>
@@ -3289,13 +3280,8 @@
             </a:r>
             <a:r>
               <a:rPr lang="en-US" dirty="0" smtClean="0"/>
-              <a:t> (BayHac</a:t>
-            </a:r>
-            <a:r>
-              <a:rPr lang="en-US" dirty="0" smtClean="0"/>
-              <a:t>2017 preview)</a:t>
-            </a:r>
-            <a:endParaRPr lang="en-US" dirty="0" smtClean="0"/>
+              <a:t> (BayHac2017 preview)</a:t>
+            </a:r>
           </a:p>
           <a:p>
             <a:pPr lvl="1"/>
@@ -3303,7 +3289,6 @@
               <a:rPr lang="en-US" dirty="0" smtClean="0"/>
               <a:t>John Leo</a:t>
             </a:r>
-            <a:endParaRPr lang="en-US" dirty="0" smtClean="0"/>
           </a:p>
           <a:p>
             <a:pPr lvl="1"/>
@@ -3315,13 +3300,8 @@
           <a:p>
             <a:r>
               <a:rPr lang="en-US" i="1" dirty="0" smtClean="0"/>
-              <a:t>FRP-styl</a:t>
-            </a:r>
-            <a:r>
-              <a:rPr lang="en-US" i="1" dirty="0" smtClean="0"/>
-              <a:t>e high-frequency trading DSL</a:t>
-            </a:r>
-            <a:endParaRPr lang="en-US" i="1" dirty="0" smtClean="0"/>
+              <a:t>FRP-style high-frequency trading DSL</a:t>
+            </a:r>
           </a:p>
           <a:p>
             <a:pPr lvl="1"/>
@@ -3329,7 +3309,6 @@
               <a:rPr lang="en-US" dirty="0" smtClean="0"/>
               <a:t>Charles Cooper</a:t>
             </a:r>
-            <a:endParaRPr lang="en-US" dirty="0" smtClean="0"/>
           </a:p>
           <a:p>
             <a:pPr lvl="1"/>
@@ -3339,19 +3318,40 @@
             </a:r>
             <a:r>
               <a:rPr lang="en-US" dirty="0" smtClean="0"/>
-              <a:t>0 </a:t>
+              <a:t>0 + 10 </a:t>
             </a:r>
             <a:r>
               <a:rPr lang="en-US" dirty="0" smtClean="0"/>
-              <a:t>+ </a:t>
-            </a:r>
-            <a:r>
-              <a:rPr lang="en-US" smtClean="0"/>
-              <a:t>10 </a:t>
-            </a:r>
-            <a:r>
-              <a:rPr lang="en-US" smtClean="0"/>
               <a:t>minutes</a:t>
+            </a:r>
+          </a:p>
+          <a:p>
+            <a:r>
+              <a:rPr lang="en-US" i="1" dirty="0" smtClean="0"/>
+              <a:t>Linear types</a:t>
+            </a:r>
+          </a:p>
+          <a:p>
+            <a:pPr lvl="1"/>
+            <a:r>
+              <a:rPr lang="en-US" dirty="0" err="1" smtClean="0"/>
+              <a:t>Bartosz</a:t>
+            </a:r>
+            <a:r>
+              <a:rPr lang="en-US" dirty="0" smtClean="0"/>
+              <a:t> </a:t>
+            </a:r>
+            <a:r>
+              <a:rPr lang="en-US" dirty="0" err="1" smtClean="0"/>
+              <a:t>Milewski</a:t>
+            </a:r>
+            <a:endParaRPr lang="en-US" dirty="0" smtClean="0"/>
+          </a:p>
+          <a:p>
+            <a:pPr lvl="1"/>
+            <a:r>
+              <a:rPr lang="en-US" dirty="0"/>
+              <a:t>?</a:t>
             </a:r>
             <a:endParaRPr lang="en-US" dirty="0" smtClean="0"/>
           </a:p>
